--- a/assets/Stackoverflow-README.png.pptx
+++ b/assets/Stackoverflow-README.png.pptx
@@ -5664,6 +5664,34 @@
           </a:ln>
         </p:spPr>
       </p:pic>
+      <p:pic>
+        <p:nvPicPr>
+          <p:cNvPr id="59" name="Google Shape;59;p13"/>
+          <p:cNvPicPr preferRelativeResize="0"/>
+          <p:nvPr/>
+        </p:nvPicPr>
+        <p:blipFill>
+          <a:blip r:embed="rId5">
+            <a:alphaModFix/>
+          </a:blip>
+          <a:stretch>
+            <a:fillRect/>
+          </a:stretch>
+        </p:blipFill>
+        <p:spPr>
+          <a:xfrm>
+            <a:off x="2614400" y="3077418"/>
+            <a:ext cx="457200" cy="495300"/>
+          </a:xfrm>
+          <a:prstGeom prst="rect">
+            <a:avLst/>
+          </a:prstGeom>
+          <a:noFill/>
+          <a:ln>
+            <a:noFill/>
+          </a:ln>
+        </p:spPr>
+      </p:pic>
     </p:spTree>
   </p:cSld>
   <p:clrMapOvr>

--- a/assets/Stackoverflow-README.png.pptx
+++ b/assets/Stackoverflow-README.png.pptx
@@ -5472,8 +5472,118 @@
         </p:blipFill>
         <p:spPr>
           <a:xfrm>
-            <a:off x="38025" y="-411508"/>
+            <a:off x="38025" y="1001967"/>
             <a:ext cx="9144000" cy="4160566"/>
+          </a:xfrm>
+          <a:prstGeom prst="rect">
+            <a:avLst/>
+          </a:prstGeom>
+          <a:noFill/>
+          <a:ln>
+            <a:noFill/>
+          </a:ln>
+        </p:spPr>
+      </p:pic>
+      <p:cxnSp>
+        <p:nvCxnSpPr>
+          <p:cNvPr id="55" name="Google Shape;55;p13"/>
+          <p:cNvCxnSpPr>
+            <a:stCxn id="56" idx="1"/>
+          </p:cNvCxnSpPr>
+          <p:nvPr/>
+        </p:nvCxnSpPr>
+        <p:spPr>
+          <a:xfrm flipH="1">
+            <a:off x="3996225" y="2061200"/>
+            <a:ext cx="564600" cy="1766100"/>
+          </a:xfrm>
+          <a:prstGeom prst="straightConnector1">
+            <a:avLst/>
+          </a:prstGeom>
+          <a:noFill/>
+          <a:ln cap="flat" cmpd="sng" w="28575">
+            <a:solidFill>
+              <a:srgbClr val="999999"/>
+            </a:solidFill>
+            <a:prstDash val="solid"/>
+            <a:round/>
+            <a:headEnd len="med" w="med" type="none"/>
+            <a:tailEnd len="med" w="med" type="triangle"/>
+          </a:ln>
+        </p:spPr>
+      </p:cxnSp>
+      <p:pic>
+        <p:nvPicPr>
+          <p:cNvPr id="57" name="Google Shape;57;p13"/>
+          <p:cNvPicPr preferRelativeResize="0"/>
+          <p:nvPr/>
+        </p:nvPicPr>
+        <p:blipFill rotWithShape="1">
+          <a:blip r:embed="rId4">
+            <a:alphaModFix/>
+          </a:blip>
+          <a:srcRect b="0" l="0" r="30133" t="0"/>
+          <a:stretch/>
+        </p:blipFill>
+        <p:spPr>
+          <a:xfrm>
+            <a:off x="4560852" y="2343150"/>
+            <a:ext cx="4392301" cy="4762766"/>
+          </a:xfrm>
+          <a:prstGeom prst="rect">
+            <a:avLst/>
+          </a:prstGeom>
+          <a:noFill/>
+          <a:ln>
+            <a:noFill/>
+          </a:ln>
+        </p:spPr>
+      </p:pic>
+      <p:pic>
+        <p:nvPicPr>
+          <p:cNvPr id="58" name="Google Shape;58;p13"/>
+          <p:cNvPicPr preferRelativeResize="0"/>
+          <p:nvPr/>
+        </p:nvPicPr>
+        <p:blipFill>
+          <a:blip r:embed="rId5">
+            <a:alphaModFix/>
+          </a:blip>
+          <a:stretch>
+            <a:fillRect/>
+          </a:stretch>
+        </p:blipFill>
+        <p:spPr>
+          <a:xfrm>
+            <a:off x="2614400" y="4449018"/>
+            <a:ext cx="457200" cy="495300"/>
+          </a:xfrm>
+          <a:prstGeom prst="rect">
+            <a:avLst/>
+          </a:prstGeom>
+          <a:noFill/>
+          <a:ln>
+            <a:noFill/>
+          </a:ln>
+        </p:spPr>
+      </p:pic>
+      <p:pic>
+        <p:nvPicPr>
+          <p:cNvPr id="59" name="Google Shape;59;p13"/>
+          <p:cNvPicPr preferRelativeResize="0"/>
+          <p:nvPr/>
+        </p:nvPicPr>
+        <p:blipFill rotWithShape="1">
+          <a:blip r:embed="rId6">
+            <a:alphaModFix/>
+          </a:blip>
+          <a:srcRect b="42135" l="24704" r="73404" t="55513"/>
+          <a:stretch/>
+        </p:blipFill>
+        <p:spPr>
+          <a:xfrm>
+            <a:off x="3728150" y="3864575"/>
+            <a:ext cx="320024" cy="261749"/>
           </a:xfrm>
           <a:prstGeom prst="rect">
             <a:avLst/>
@@ -5486,20 +5596,22 @@
       </p:pic>
       <p:sp>
         <p:nvSpPr>
-          <p:cNvPr id="55" name="Google Shape;55;p13"/>
+          <p:cNvPr id="56" name="Google Shape;56;p13"/>
           <p:cNvSpPr/>
           <p:nvPr/>
         </p:nvSpPr>
         <p:spPr>
           <a:xfrm>
-            <a:off x="4560775" y="2334500"/>
-            <a:ext cx="4392300" cy="323100"/>
+            <a:off x="4560825" y="1930400"/>
+            <a:ext cx="4392300" cy="261600"/>
           </a:xfrm>
-          <a:prstGeom prst="rect">
-            <a:avLst/>
+          <a:prstGeom prst="roundRect">
+            <a:avLst>
+              <a:gd fmla="val 16667" name="adj"/>
+            </a:avLst>
           </a:prstGeom>
           <a:solidFill>
-            <a:schemeClr val="lt2"/>
+            <a:srgbClr val="CFE2F3"/>
           </a:solidFill>
           <a:ln cap="flat" cmpd="sng" w="9525">
             <a:solidFill>
@@ -5524,6 +5636,11 @@
               <a:spcAft>
                 <a:spcPts val="0"/>
               </a:spcAft>
+              <a:buClr>
+                <a:srgbClr val="000000"/>
+              </a:buClr>
+              <a:buSzPts val="1100"/>
+              <a:buFont typeface="Arial"/>
               <a:buNone/>
             </a:pPr>
             <a:r>
@@ -5534,164 +5651,6 @@
           </a:p>
         </p:txBody>
       </p:sp>
-      <p:cxnSp>
-        <p:nvCxnSpPr>
-          <p:cNvPr id="56" name="Google Shape;56;p13"/>
-          <p:cNvCxnSpPr>
-            <a:stCxn id="55" idx="1"/>
-          </p:cNvCxnSpPr>
-          <p:nvPr/>
-        </p:nvCxnSpPr>
-        <p:spPr>
-          <a:xfrm flipH="1">
-            <a:off x="3982675" y="2496050"/>
-            <a:ext cx="578100" cy="76800"/>
-          </a:xfrm>
-          <a:prstGeom prst="straightConnector1">
-            <a:avLst/>
-          </a:prstGeom>
-          <a:noFill/>
-          <a:ln cap="flat" cmpd="sng" w="28575">
-            <a:solidFill>
-              <a:srgbClr val="999999"/>
-            </a:solidFill>
-            <a:prstDash val="solid"/>
-            <a:round/>
-            <a:headEnd len="med" w="med" type="none"/>
-            <a:tailEnd len="med" w="med" type="triangle"/>
-          </a:ln>
-        </p:spPr>
-      </p:cxnSp>
-      <p:sp>
-        <p:nvSpPr>
-          <p:cNvPr id="57" name="Google Shape;57;p13"/>
-          <p:cNvSpPr/>
-          <p:nvPr/>
-        </p:nvSpPr>
-        <p:spPr>
-          <a:xfrm>
-            <a:off x="531450" y="3629900"/>
-            <a:ext cx="2386800" cy="1053000"/>
-          </a:xfrm>
-          <a:prstGeom prst="wedgeRoundRectCallout">
-            <a:avLst>
-              <a:gd fmla="val 38078" name="adj1"/>
-              <a:gd fmla="val -74403" name="adj2"/>
-              <a:gd fmla="val 0" name="adj3"/>
-            </a:avLst>
-          </a:prstGeom>
-          <a:solidFill>
-            <a:schemeClr val="lt2"/>
-          </a:solidFill>
-          <a:ln cap="flat" cmpd="sng" w="9525">
-            <a:solidFill>
-              <a:schemeClr val="dk2"/>
-            </a:solidFill>
-            <a:prstDash val="solid"/>
-            <a:round/>
-            <a:headEnd len="sm" w="sm" type="none"/>
-            <a:tailEnd len="sm" w="sm" type="none"/>
-          </a:ln>
-        </p:spPr>
-        <p:txBody>
-          <a:bodyPr anchorCtr="0" anchor="ctr" bIns="91425" lIns="91425" spcFirstLastPara="1" rIns="91425" wrap="square" tIns="91425">
-            <a:noAutofit/>
-          </a:bodyPr>
-          <a:lstStyle/>
-          <a:p>
-            <a:pPr indent="0" lvl="0" marL="0" rtl="0" algn="l">
-              <a:spcBef>
-                <a:spcPts val="0"/>
-              </a:spcBef>
-              <a:spcAft>
-                <a:spcPts val="0"/>
-              </a:spcAft>
-              <a:buClr>
-                <a:srgbClr val="000000"/>
-              </a:buClr>
-              <a:buSzPts val="1100"/>
-              <a:buFont typeface="Arial"/>
-              <a:buNone/>
-            </a:pPr>
-            <a:r>
-              <a:rPr lang="en"/>
-              <a:t>New item in Stackoverflow inbox.</a:t>
-            </a:r>
-            <a:endParaRPr/>
-          </a:p>
-          <a:p>
-            <a:pPr indent="0" lvl="0" marL="0" rtl="0" algn="l">
-              <a:spcBef>
-                <a:spcPts val="0"/>
-              </a:spcBef>
-              <a:spcAft>
-                <a:spcPts val="0"/>
-              </a:spcAft>
-              <a:buNone/>
-            </a:pPr>
-            <a:r>
-              <a:t/>
-            </a:r>
-            <a:endParaRPr/>
-          </a:p>
-        </p:txBody>
-      </p:sp>
-      <p:pic>
-        <p:nvPicPr>
-          <p:cNvPr id="58" name="Google Shape;58;p13"/>
-          <p:cNvPicPr preferRelativeResize="0"/>
-          <p:nvPr/>
-        </p:nvPicPr>
-        <p:blipFill>
-          <a:blip r:embed="rId4">
-            <a:alphaModFix/>
-          </a:blip>
-          <a:stretch>
-            <a:fillRect/>
-          </a:stretch>
-        </p:blipFill>
-        <p:spPr>
-          <a:xfrm>
-            <a:off x="4560775" y="2743150"/>
-            <a:ext cx="4392175" cy="3327501"/>
-          </a:xfrm>
-          <a:prstGeom prst="rect">
-            <a:avLst/>
-          </a:prstGeom>
-          <a:noFill/>
-          <a:ln>
-            <a:noFill/>
-          </a:ln>
-        </p:spPr>
-      </p:pic>
-      <p:pic>
-        <p:nvPicPr>
-          <p:cNvPr id="59" name="Google Shape;59;p13"/>
-          <p:cNvPicPr preferRelativeResize="0"/>
-          <p:nvPr/>
-        </p:nvPicPr>
-        <p:blipFill>
-          <a:blip r:embed="rId5">
-            <a:alphaModFix/>
-          </a:blip>
-          <a:stretch>
-            <a:fillRect/>
-          </a:stretch>
-        </p:blipFill>
-        <p:spPr>
-          <a:xfrm>
-            <a:off x="2614400" y="3077418"/>
-            <a:ext cx="457200" cy="495300"/>
-          </a:xfrm>
-          <a:prstGeom prst="rect">
-            <a:avLst/>
-          </a:prstGeom>
-          <a:noFill/>
-          <a:ln>
-            <a:noFill/>
-          </a:ln>
-        </p:spPr>
-      </p:pic>
     </p:spTree>
   </p:cSld>
   <p:clrMapOvr>
